--- a/Preventitive_Maintenance_Readme.pptx
+++ b/Preventitive_Maintenance_Readme.pptx
@@ -276,7 +276,7 @@
           <a:p>
             <a:fld id="{DD20D730-41BC-4757-A7B4-5BCAE838293F}" type="datetimeFigureOut">
               <a:rPr lang="en-US" smtClean="0"/>
-              <a:t>11/27/2021</a:t>
+              <a:t>12/25/2021</a:t>
             </a:fld>
             <a:endParaRPr lang="en-US"/>
           </a:p>
@@ -474,7 +474,7 @@
           <a:p>
             <a:fld id="{DD20D730-41BC-4757-A7B4-5BCAE838293F}" type="datetimeFigureOut">
               <a:rPr lang="en-US" smtClean="0"/>
-              <a:t>11/27/2021</a:t>
+              <a:t>12/25/2021</a:t>
             </a:fld>
             <a:endParaRPr lang="en-US"/>
           </a:p>
@@ -682,7 +682,7 @@
           <a:p>
             <a:fld id="{DD20D730-41BC-4757-A7B4-5BCAE838293F}" type="datetimeFigureOut">
               <a:rPr lang="en-US" smtClean="0"/>
-              <a:t>11/27/2021</a:t>
+              <a:t>12/25/2021</a:t>
             </a:fld>
             <a:endParaRPr lang="en-US"/>
           </a:p>
@@ -880,7 +880,7 @@
           <a:p>
             <a:fld id="{DD20D730-41BC-4757-A7B4-5BCAE838293F}" type="datetimeFigureOut">
               <a:rPr lang="en-US" smtClean="0"/>
-              <a:t>11/27/2021</a:t>
+              <a:t>12/25/2021</a:t>
             </a:fld>
             <a:endParaRPr lang="en-US"/>
           </a:p>
@@ -1155,7 +1155,7 @@
           <a:p>
             <a:fld id="{DD20D730-41BC-4757-A7B4-5BCAE838293F}" type="datetimeFigureOut">
               <a:rPr lang="en-US" smtClean="0"/>
-              <a:t>11/27/2021</a:t>
+              <a:t>12/25/2021</a:t>
             </a:fld>
             <a:endParaRPr lang="en-US"/>
           </a:p>
@@ -1420,7 +1420,7 @@
           <a:p>
             <a:fld id="{DD20D730-41BC-4757-A7B4-5BCAE838293F}" type="datetimeFigureOut">
               <a:rPr lang="en-US" smtClean="0"/>
-              <a:t>11/27/2021</a:t>
+              <a:t>12/25/2021</a:t>
             </a:fld>
             <a:endParaRPr lang="en-US"/>
           </a:p>
@@ -1832,7 +1832,7 @@
           <a:p>
             <a:fld id="{DD20D730-41BC-4757-A7B4-5BCAE838293F}" type="datetimeFigureOut">
               <a:rPr lang="en-US" smtClean="0"/>
-              <a:t>11/27/2021</a:t>
+              <a:t>12/25/2021</a:t>
             </a:fld>
             <a:endParaRPr lang="en-US"/>
           </a:p>
@@ -1973,7 +1973,7 @@
           <a:p>
             <a:fld id="{DD20D730-41BC-4757-A7B4-5BCAE838293F}" type="datetimeFigureOut">
               <a:rPr lang="en-US" smtClean="0"/>
-              <a:t>11/27/2021</a:t>
+              <a:t>12/25/2021</a:t>
             </a:fld>
             <a:endParaRPr lang="en-US"/>
           </a:p>
@@ -2086,7 +2086,7 @@
           <a:p>
             <a:fld id="{DD20D730-41BC-4757-A7B4-5BCAE838293F}" type="datetimeFigureOut">
               <a:rPr lang="en-US" smtClean="0"/>
-              <a:t>11/27/2021</a:t>
+              <a:t>12/25/2021</a:t>
             </a:fld>
             <a:endParaRPr lang="en-US"/>
           </a:p>
@@ -2397,7 +2397,7 @@
           <a:p>
             <a:fld id="{DD20D730-41BC-4757-A7B4-5BCAE838293F}" type="datetimeFigureOut">
               <a:rPr lang="en-US" smtClean="0"/>
-              <a:t>11/27/2021</a:t>
+              <a:t>12/25/2021</a:t>
             </a:fld>
             <a:endParaRPr lang="en-US"/>
           </a:p>
@@ -2685,7 +2685,7 @@
           <a:p>
             <a:fld id="{DD20D730-41BC-4757-A7B4-5BCAE838293F}" type="datetimeFigureOut">
               <a:rPr lang="en-US" smtClean="0"/>
-              <a:t>11/27/2021</a:t>
+              <a:t>12/25/2021</a:t>
             </a:fld>
             <a:endParaRPr lang="en-US"/>
           </a:p>
@@ -2926,7 +2926,7 @@
           <a:p>
             <a:fld id="{DD20D730-41BC-4757-A7B4-5BCAE838293F}" type="datetimeFigureOut">
               <a:rPr lang="en-US" smtClean="0"/>
-              <a:t>11/27/2021</a:t>
+              <a:t>12/25/2021</a:t>
             </a:fld>
             <a:endParaRPr lang="en-US"/>
           </a:p>
@@ -3361,12 +3361,28 @@
         </p:nvSpPr>
         <p:spPr/>
         <p:txBody>
-          <a:bodyPr/>
+          <a:bodyPr>
+            <a:normAutofit fontScale="90000"/>
+          </a:bodyPr>
           <a:lstStyle/>
           <a:p>
             <a:r>
               <a:rPr lang="en-US" dirty="0"/>
               <a:t>Preventative Maintenance</a:t>
+            </a:r>
+            <a:br>
+              <a:rPr lang="en-US" dirty="0"/>
+            </a:br>
+            <a:r>
+              <a:rPr lang="en-US" dirty="0"/>
+              <a:t>By</a:t>
+            </a:r>
+            <a:br>
+              <a:rPr lang="en-US" dirty="0"/>
+            </a:br>
+            <a:r>
+              <a:rPr lang="en-US" dirty="0"/>
+              <a:t>D. Kelley</a:t>
             </a:r>
           </a:p>
         </p:txBody>
@@ -4478,10 +4494,10 @@
       </p:sp>
       <p:pic>
         <p:nvPicPr>
-          <p:cNvPr id="4" name="Picture 3">
-            <a:extLst>
-              <a:ext uri="{FF2B5EF4-FFF2-40B4-BE49-F238E27FC236}">
-                <a16:creationId xmlns:a16="http://schemas.microsoft.com/office/drawing/2014/main" id="{635A9DF9-030E-4D4F-A900-F70F9BE94DB1}"/>
+          <p:cNvPr id="5" name="Picture 4">
+            <a:extLst>
+              <a:ext uri="{FF2B5EF4-FFF2-40B4-BE49-F238E27FC236}">
+                <a16:creationId xmlns:a16="http://schemas.microsoft.com/office/drawing/2014/main" id="{03C77D2A-3004-4A69-92DF-EC96635F0135}"/>
               </a:ext>
             </a:extLst>
           </p:cNvPr>
@@ -4498,8 +4514,8 @@
         </p:blipFill>
         <p:spPr>
           <a:xfrm>
-            <a:off x="416594" y="4306773"/>
-            <a:ext cx="10930513" cy="2186102"/>
+            <a:off x="367223" y="1543731"/>
+            <a:ext cx="11457553" cy="2342470"/>
           </a:xfrm>
           <a:prstGeom prst="rect">
             <a:avLst/>
@@ -4508,10 +4524,10 @@
       </p:pic>
       <p:pic>
         <p:nvPicPr>
-          <p:cNvPr id="5" name="Picture 4">
-            <a:extLst>
-              <a:ext uri="{FF2B5EF4-FFF2-40B4-BE49-F238E27FC236}">
-                <a16:creationId xmlns:a16="http://schemas.microsoft.com/office/drawing/2014/main" id="{03C77D2A-3004-4A69-92DF-EC96635F0135}"/>
+          <p:cNvPr id="6" name="Picture 5">
+            <a:extLst>
+              <a:ext uri="{FF2B5EF4-FFF2-40B4-BE49-F238E27FC236}">
+                <a16:creationId xmlns:a16="http://schemas.microsoft.com/office/drawing/2014/main" id="{C387F47F-2B3A-4271-8596-0543378BA6F7}"/>
               </a:ext>
             </a:extLst>
           </p:cNvPr>
@@ -4528,8 +4544,8 @@
         </p:blipFill>
         <p:spPr>
           <a:xfrm>
-            <a:off x="367223" y="1543731"/>
-            <a:ext cx="11457553" cy="2342470"/>
+            <a:off x="620280" y="4174255"/>
+            <a:ext cx="10062814" cy="2318620"/>
           </a:xfrm>
           <a:prstGeom prst="rect">
             <a:avLst/>
